--- a/BBTeam.pptx
+++ b/BBTeam.pptx
@@ -3340,6 +3340,20 @@
 <file path=ppt/slides/slide1.xml><?xml version="1.0" encoding="utf-8"?>
 <p:sld xmlns:a="http://schemas.openxmlformats.org/drawingml/2006/main" xmlns:r="http://schemas.openxmlformats.org/officeDocument/2006/relationships" xmlns:p="http://schemas.openxmlformats.org/presentationml/2006/main">
   <p:cSld>
+    <p:bg>
+      <p:bgPr>
+        <a:blipFill dpi="0" rotWithShape="1">
+          <a:blip r:embed="rId2">
+            <a:lum/>
+          </a:blip>
+          <a:srcRect/>
+          <a:stretch>
+            <a:fillRect t="-13000" b="-13000"/>
+          </a:stretch>
+        </a:blipFill>
+        <a:effectLst/>
+      </p:bgPr>
+    </p:bg>
     <p:spTree>
       <p:nvGrpSpPr>
         <p:cNvPr id="1" name=""/>
@@ -3392,10 +3406,7 @@
             <a:r>
               <a:rPr lang="ru-RU" sz="5000" dirty="0">
                 <a:solidFill>
-                  <a:schemeClr val="tx1">
-                    <a:lumMod val="95000"/>
-                    <a:lumOff val="5000"/>
-                  </a:schemeClr>
+                  <a:schemeClr val="bg1"/>
                 </a:solidFill>
               </a:rPr>
               <a:t>M</a:t>
@@ -3403,10 +3414,7 @@
             <a:r>
               <a:rPr lang="en-US" sz="5000" dirty="0">
                 <a:solidFill>
-                  <a:schemeClr val="tx1">
-                    <a:lumMod val="95000"/>
-                    <a:lumOff val="5000"/>
-                  </a:schemeClr>
+                  <a:schemeClr val="bg1"/>
                 </a:solidFill>
               </a:rPr>
               <a:t>AX </a:t>
@@ -3414,10 +3422,7 @@
             <a:r>
               <a:rPr lang="ru-RU" sz="5000" dirty="0">
                 <a:solidFill>
-                  <a:schemeClr val="tx1">
-                    <a:lumMod val="95000"/>
-                    <a:lumOff val="5000"/>
-                  </a:schemeClr>
+                  <a:schemeClr val="bg1"/>
                 </a:solidFill>
               </a:rPr>
               <a:t>уведомления — </a:t>
@@ -3425,20 +3430,14 @@
             <a:br>
               <a:rPr lang="ru-RU" sz="5000" dirty="0">
                 <a:solidFill>
-                  <a:schemeClr val="tx1">
-                    <a:lumMod val="95000"/>
-                    <a:lumOff val="5000"/>
-                  </a:schemeClr>
+                  <a:schemeClr val="bg1"/>
                 </a:solidFill>
               </a:rPr>
             </a:br>
             <a:r>
               <a:rPr lang="ru-RU" sz="5000" dirty="0">
                 <a:solidFill>
-                  <a:schemeClr val="tx1">
-                    <a:lumMod val="95000"/>
-                    <a:lumOff val="5000"/>
-                  </a:schemeClr>
+                  <a:schemeClr val="bg1"/>
                 </a:solidFill>
               </a:rPr>
               <a:t>Система автоматических </a:t>
@@ -3446,20 +3445,14 @@
             <a:br>
               <a:rPr lang="ru-RU" sz="5000" dirty="0">
                 <a:solidFill>
-                  <a:schemeClr val="tx1">
-                    <a:lumMod val="95000"/>
-                    <a:lumOff val="5000"/>
-                  </a:schemeClr>
+                  <a:schemeClr val="bg1"/>
                 </a:solidFill>
               </a:rPr>
             </a:br>
             <a:r>
               <a:rPr lang="ru-RU" sz="5000" dirty="0">
                 <a:solidFill>
-                  <a:schemeClr val="tx1">
-                    <a:lumMod val="95000"/>
-                    <a:lumOff val="5000"/>
-                  </a:schemeClr>
+                  <a:schemeClr val="bg1"/>
                 </a:solidFill>
               </a:rPr>
               <a:t>уведомлений для команд</a:t>
@@ -3481,7 +3474,7 @@
         </p:nvSpPr>
         <p:spPr>
           <a:xfrm>
-            <a:off x="2193448" y="3559553"/>
+            <a:off x="2412523" y="3570439"/>
             <a:ext cx="7366953" cy="492443"/>
           </a:xfrm>
           <a:prstGeom prst="rect">
@@ -3505,10 +3498,7 @@
             <a:r>
               <a:rPr sz="2600" dirty="0" err="1">
                 <a:solidFill>
-                  <a:schemeClr val="tx1">
-                    <a:lumMod val="95000"/>
-                    <a:lumOff val="5000"/>
-                  </a:schemeClr>
+                  <a:schemeClr val="bg1"/>
                 </a:solidFill>
               </a:rPr>
               <a:t>Автоматизация</a:t>
@@ -3516,10 +3506,7 @@
             <a:r>
               <a:rPr sz="2600" dirty="0">
                 <a:solidFill>
-                  <a:schemeClr val="tx1">
-                    <a:lumMod val="95000"/>
-                    <a:lumOff val="5000"/>
-                  </a:schemeClr>
+                  <a:schemeClr val="bg1"/>
                 </a:solidFill>
               </a:rPr>
               <a:t> </a:t>
@@ -3527,10 +3514,7 @@
             <a:r>
               <a:rPr sz="2600" dirty="0" err="1">
                 <a:solidFill>
-                  <a:schemeClr val="tx1">
-                    <a:lumMod val="95000"/>
-                    <a:lumOff val="5000"/>
-                  </a:schemeClr>
+                  <a:schemeClr val="bg1"/>
                 </a:solidFill>
               </a:rPr>
               <a:t>напоминаний</a:t>
@@ -3538,10 +3522,7 @@
             <a:r>
               <a:rPr sz="2600" dirty="0">
                 <a:solidFill>
-                  <a:schemeClr val="tx1">
-                    <a:lumMod val="95000"/>
-                    <a:lumOff val="5000"/>
-                  </a:schemeClr>
+                  <a:schemeClr val="bg1"/>
                 </a:solidFill>
               </a:rPr>
               <a:t> в </a:t>
@@ -3549,10 +3530,7 @@
             <a:r>
               <a:rPr sz="2600" dirty="0" err="1">
                 <a:solidFill>
-                  <a:schemeClr val="tx1">
-                    <a:lumMod val="95000"/>
-                    <a:lumOff val="5000"/>
-                  </a:schemeClr>
+                  <a:schemeClr val="bg1"/>
                 </a:solidFill>
               </a:rPr>
               <a:t>мессенджере</a:t>
@@ -3560,10 +3538,7 @@
             <a:r>
               <a:rPr sz="2600" dirty="0">
                 <a:solidFill>
-                  <a:schemeClr val="tx1">
-                    <a:lumMod val="95000"/>
-                    <a:lumOff val="5000"/>
-                  </a:schemeClr>
+                  <a:schemeClr val="bg1"/>
                 </a:solidFill>
               </a:rPr>
               <a:t> MAX</a:t>
@@ -3585,7 +3560,7 @@
         </p:nvSpPr>
         <p:spPr>
           <a:xfrm>
-            <a:off x="2389424" y="4373024"/>
+            <a:off x="2520052" y="4296824"/>
             <a:ext cx="7413152" cy="369332"/>
           </a:xfrm>
           <a:prstGeom prst="rect">
@@ -3609,10 +3584,7 @@
             <a:r>
               <a:rPr lang="ru-RU" sz="1800" dirty="0">
                 <a:solidFill>
-                  <a:schemeClr val="tx1">
-                    <a:lumMod val="95000"/>
-                    <a:lumOff val="5000"/>
-                  </a:schemeClr>
+                  <a:schemeClr val="bg1"/>
                 </a:solidFill>
               </a:rPr>
               <a:t>Команда </a:t>
@@ -3620,10 +3592,7 @@
             <a:r>
               <a:rPr lang="en-US" sz="1800" dirty="0">
                 <a:solidFill>
-                  <a:schemeClr val="tx1">
-                    <a:lumMod val="95000"/>
-                    <a:lumOff val="5000"/>
-                  </a:schemeClr>
+                  <a:schemeClr val="bg1"/>
                 </a:solidFill>
               </a:rPr>
               <a:t>BB Team</a:t>
@@ -3631,10 +3600,7 @@
             <a:r>
               <a:rPr lang="ru-RU" sz="1800" dirty="0">
                 <a:solidFill>
-                  <a:schemeClr val="tx1">
-                    <a:lumMod val="95000"/>
-                    <a:lumOff val="5000"/>
-                  </a:schemeClr>
+                  <a:schemeClr val="bg1"/>
                 </a:solidFill>
               </a:rPr>
               <a:t>: Кирилл Лесовой, Иван Дядечков, Даниил Карпенко</a:t>
@@ -3658,6 +3624,20 @@
 <file path=ppt/slides/slide2.xml><?xml version="1.0" encoding="utf-8"?>
 <p:sld xmlns:a="http://schemas.openxmlformats.org/drawingml/2006/main" xmlns:r="http://schemas.openxmlformats.org/officeDocument/2006/relationships" xmlns:p="http://schemas.openxmlformats.org/presentationml/2006/main">
   <p:cSld>
+    <p:bg>
+      <p:bgPr>
+        <a:blipFill dpi="0" rotWithShape="1">
+          <a:blip r:embed="rId2">
+            <a:lum/>
+          </a:blip>
+          <a:srcRect/>
+          <a:stretch>
+            <a:fillRect t="-13000" b="-13000"/>
+          </a:stretch>
+        </a:blipFill>
+        <a:effectLst/>
+      </p:bgPr>
+    </p:bg>
     <p:spTree>
       <p:nvGrpSpPr>
         <p:cNvPr id="1" name=""/>
@@ -3708,77 +3688,32 @@
               </a:defRPr>
             </a:pPr>
             <a:r>
+              <a:rPr lang="ru-RU" sz="3500" dirty="0">
+                <a:solidFill>
+                  <a:schemeClr val="bg1"/>
+                </a:solidFill>
+              </a:rPr>
+              <a:t>Профайл</a:t>
+            </a:r>
+            <a:r>
+              <a:rPr sz="3500" dirty="0">
+                <a:solidFill>
+                  <a:schemeClr val="bg1"/>
+                </a:solidFill>
+              </a:rPr>
+              <a:t> </a:t>
+            </a:r>
+            <a:r>
               <a:rPr sz="3500" dirty="0" err="1">
                 <a:solidFill>
-                  <a:schemeClr val="tx1">
-                    <a:lumMod val="95000"/>
-                    <a:lumOff val="5000"/>
-                  </a:schemeClr>
-                </a:solidFill>
-              </a:rPr>
-              <a:t>Проф</a:t>
-            </a:r>
-            <a:r>
-              <a:rPr lang="ru-RU" sz="3500" dirty="0">
-                <a:solidFill>
-                  <a:schemeClr val="tx1">
-                    <a:lumMod val="95000"/>
-                    <a:lumOff val="5000"/>
-                  </a:schemeClr>
-                </a:solidFill>
-              </a:rPr>
-              <a:t>и</a:t>
-            </a:r>
-            <a:r>
-              <a:rPr sz="3500" dirty="0">
-                <a:solidFill>
-                  <a:schemeClr val="tx1">
-                    <a:lumMod val="95000"/>
-                    <a:lumOff val="5000"/>
-                  </a:schemeClr>
-                </a:solidFill>
-              </a:rPr>
-              <a:t>л</a:t>
-            </a:r>
-            <a:r>
-              <a:rPr lang="ru-RU" sz="3500" dirty="0">
-                <a:solidFill>
-                  <a:schemeClr val="tx1">
-                    <a:lumMod val="95000"/>
-                    <a:lumOff val="5000"/>
-                  </a:schemeClr>
-                </a:solidFill>
-              </a:rPr>
-              <a:t>ь</a:t>
-            </a:r>
-            <a:r>
-              <a:rPr sz="3500" dirty="0">
-                <a:solidFill>
-                  <a:schemeClr val="tx1">
-                    <a:lumMod val="95000"/>
-                    <a:lumOff val="5000"/>
-                  </a:schemeClr>
-                </a:solidFill>
-              </a:rPr>
-              <a:t> </a:t>
-            </a:r>
-            <a:r>
-              <a:rPr sz="3500" dirty="0" err="1">
-                <a:solidFill>
-                  <a:schemeClr val="tx1">
-                    <a:lumMod val="95000"/>
-                    <a:lumOff val="5000"/>
-                  </a:schemeClr>
+                  <a:schemeClr val="bg1"/>
                 </a:solidFill>
               </a:rPr>
               <a:t>команды</a:t>
             </a:r>
             <a:endParaRPr sz="3500" dirty="0">
               <a:solidFill>
-                <a:schemeClr val="tx1">
-                  <a:lumMod val="95000"/>
-                  <a:lumOff val="5000"/>
-                </a:schemeClr>
+                <a:schemeClr val="bg1"/>
               </a:solidFill>
             </a:endParaRPr>
           </a:p>
@@ -3824,71 +3759,66 @@
             <a:r>
               <a:rPr lang="ru-RU" sz="2700" dirty="0">
                 <a:solidFill>
-                  <a:schemeClr val="tx1">
-                    <a:lumMod val="95000"/>
-                    <a:lumOff val="5000"/>
-                  </a:schemeClr>
-                </a:solidFill>
-              </a:rPr>
-              <a:t>Кирилл Лесовой</a:t>
+                  <a:schemeClr val="bg1"/>
+                </a:solidFill>
+              </a:rPr>
+              <a:t>Иван </a:t>
+            </a:r>
+            <a:r>
+              <a:rPr lang="ru-RU" sz="2700" dirty="0" err="1">
+                <a:solidFill>
+                  <a:schemeClr val="bg1"/>
+                </a:solidFill>
+              </a:rPr>
+              <a:t>Дядечков</a:t>
             </a:r>
             <a:br>
               <a:rPr lang="ru-RU" sz="2700" dirty="0">
                 <a:solidFill>
-                  <a:schemeClr val="tx1">
-                    <a:lumMod val="95000"/>
-                    <a:lumOff val="5000"/>
-                  </a:schemeClr>
+                  <a:schemeClr val="bg1"/>
                 </a:solidFill>
               </a:rPr>
             </a:br>
             <a:r>
               <a:rPr lang="ru-RU" sz="2700" dirty="0">
                 <a:solidFill>
-                  <a:schemeClr val="tx1">
-                    <a:lumMod val="95000"/>
-                    <a:lumOff val="5000"/>
-                  </a:schemeClr>
-                </a:solidFill>
-              </a:rPr>
-              <a:t>Разработчик бота и фреймворка для ботов</a:t>
-            </a:r>
-            <a:endParaRPr lang="en-US" sz="2700" dirty="0">
-              <a:solidFill>
-                <a:schemeClr val="tx1">
-                  <a:lumMod val="95000"/>
-                  <a:lumOff val="5000"/>
-                </a:schemeClr>
-              </a:solidFill>
-            </a:endParaRPr>
-          </a:p>
-          <a:p>
-            <a:pPr lvl="1">
-              <a:defRPr sz="2000">
-                <a:solidFill>
-                  <a:srgbClr val="FFFFFF"/>
-                </a:solidFill>
-              </a:defRPr>
-            </a:pPr>
+                  <a:schemeClr val="bg1"/>
+                </a:solidFill>
+              </a:rPr>
+              <a:t>Капитан</a:t>
+            </a:r>
+            <a:r>
+              <a:rPr lang="en-US" sz="2700" dirty="0">
+                <a:solidFill>
+                  <a:schemeClr val="bg1"/>
+                </a:solidFill>
+              </a:rPr>
+              <a:t>, </a:t>
+            </a:r>
             <a:r>
               <a:rPr lang="ru-RU" sz="2700" dirty="0">
                 <a:solidFill>
-                  <a:schemeClr val="tx1">
-                    <a:lumMod val="95000"/>
-                    <a:lumOff val="5000"/>
-                  </a:schemeClr>
+                  <a:schemeClr val="bg1"/>
+                </a:solidFill>
+              </a:rPr>
+              <a:t>бэкенд</a:t>
+            </a:r>
+            <a:r>
+              <a:rPr lang="en-US" sz="2700" dirty="0">
+                <a:solidFill>
+                  <a:schemeClr val="bg1"/>
                 </a:solidFill>
               </a:rPr>
               <a:t> </a:t>
             </a:r>
-            <a:endParaRPr lang="en-US" sz="2700" dirty="0">
-              <a:solidFill>
-                <a:schemeClr val="tx1">
-                  <a:lumMod val="95000"/>
-                  <a:lumOff val="5000"/>
-                </a:schemeClr>
-              </a:solidFill>
-            </a:endParaRPr>
+            <a:r>
+              <a:rPr lang="ru-RU" sz="2700" dirty="0">
+                <a:solidFill>
+                  <a:schemeClr val="bg1"/>
+                </a:solidFill>
+              </a:rPr>
+              <a:t>разработчик</a:t>
+            </a:r>
           </a:p>
           <a:p>
             <a:pPr marL="342900" indent="-342900">
@@ -3900,114 +3830,11 @@
                 </a:solidFill>
               </a:defRPr>
             </a:pPr>
-            <a:r>
-              <a:rPr lang="ru-RU" sz="2700" dirty="0">
-                <a:solidFill>
-                  <a:schemeClr val="tx1">
-                    <a:lumMod val="95000"/>
-                    <a:lumOff val="5000"/>
-                  </a:schemeClr>
-                </a:solidFill>
-              </a:rPr>
-              <a:t>Иван </a:t>
-            </a:r>
-            <a:r>
-              <a:rPr lang="ru-RU" sz="2700" dirty="0" err="1">
-                <a:solidFill>
-                  <a:schemeClr val="tx1">
-                    <a:lumMod val="95000"/>
-                    <a:lumOff val="5000"/>
-                  </a:schemeClr>
-                </a:solidFill>
-              </a:rPr>
-              <a:t>Дядечков</a:t>
-            </a:r>
-            <a:br>
-              <a:rPr lang="ru-RU" sz="2700" dirty="0">
-                <a:solidFill>
-                  <a:schemeClr val="tx1">
-                    <a:lumMod val="95000"/>
-                    <a:lumOff val="5000"/>
-                  </a:schemeClr>
-                </a:solidFill>
-              </a:rPr>
-            </a:br>
-            <a:r>
-              <a:rPr lang="ru-RU" sz="2700" dirty="0">
-                <a:solidFill>
-                  <a:schemeClr val="tx1">
-                    <a:lumMod val="95000"/>
-                    <a:lumOff val="5000"/>
-                  </a:schemeClr>
-                </a:solidFill>
-              </a:rPr>
-              <a:t>Капитан</a:t>
-            </a:r>
-            <a:r>
-              <a:rPr lang="en-US" sz="2700" dirty="0">
-                <a:solidFill>
-                  <a:schemeClr val="tx1">
-                    <a:lumMod val="95000"/>
-                    <a:lumOff val="5000"/>
-                  </a:schemeClr>
-                </a:solidFill>
-              </a:rPr>
-              <a:t>, </a:t>
-            </a:r>
-            <a:r>
-              <a:rPr lang="ru-RU" sz="2700" dirty="0">
-                <a:solidFill>
-                  <a:schemeClr val="tx1">
-                    <a:lumMod val="95000"/>
-                    <a:lumOff val="5000"/>
-                  </a:schemeClr>
-                </a:solidFill>
-              </a:rPr>
-              <a:t>бэкенд</a:t>
-            </a:r>
-            <a:r>
-              <a:rPr lang="en-US" sz="2700" dirty="0">
-                <a:solidFill>
-                  <a:schemeClr val="tx1">
-                    <a:lumMod val="95000"/>
-                    <a:lumOff val="5000"/>
-                  </a:schemeClr>
-                </a:solidFill>
-              </a:rPr>
-              <a:t> </a:t>
-            </a:r>
-            <a:r>
-              <a:rPr lang="ru-RU" sz="2700" dirty="0">
-                <a:solidFill>
-                  <a:schemeClr val="tx1">
-                    <a:lumMod val="95000"/>
-                    <a:lumOff val="5000"/>
-                  </a:schemeClr>
-                </a:solidFill>
-              </a:rPr>
-              <a:t>разработчик</a:t>
-            </a:r>
-            <a:br>
-              <a:rPr lang="en-US" sz="2700" dirty="0">
-                <a:solidFill>
-                  <a:schemeClr val="tx1">
-                    <a:lumMod val="95000"/>
-                    <a:lumOff val="5000"/>
-                  </a:schemeClr>
-                </a:solidFill>
-              </a:rPr>
-            </a:br>
-            <a:r>
-              <a:rPr lang="en-US" sz="2700" dirty="0">
-                <a:solidFill>
-                  <a:schemeClr val="tx1">
-                    <a:lumMod val="95000"/>
-                    <a:lumOff val="5000"/>
-                  </a:schemeClr>
-                </a:solidFill>
-              </a:rPr>
-              <a:t> </a:t>
-            </a:r>
+            <a:endParaRPr lang="ru-RU" sz="2700" dirty="0">
+              <a:solidFill>
+                <a:schemeClr val="bg1"/>
+              </a:solidFill>
+            </a:endParaRPr>
           </a:p>
           <a:p>
             <a:pPr marL="342900" indent="-342900">
@@ -4022,31 +3849,71 @@
             <a:r>
               <a:rPr lang="ru-RU" sz="2700" dirty="0">
                 <a:solidFill>
-                  <a:schemeClr val="tx1">
-                    <a:lumMod val="95000"/>
-                    <a:lumOff val="5000"/>
-                  </a:schemeClr>
-                </a:solidFill>
-              </a:rPr>
-              <a:t>Даниил Карпенко</a:t>
+                  <a:schemeClr val="bg1"/>
+                </a:solidFill>
+              </a:rPr>
+              <a:t>Кирилл Лесовой</a:t>
             </a:r>
             <a:br>
               <a:rPr lang="ru-RU" sz="2700" dirty="0">
                 <a:solidFill>
-                  <a:schemeClr val="tx1">
-                    <a:lumMod val="95000"/>
-                    <a:lumOff val="5000"/>
-                  </a:schemeClr>
+                  <a:schemeClr val="bg1"/>
                 </a:solidFill>
               </a:rPr>
             </a:br>
             <a:r>
+              <a:rPr lang="ru-RU" sz="2700" dirty="0">
+                <a:solidFill>
+                  <a:schemeClr val="bg1"/>
+                </a:solidFill>
+              </a:rPr>
+              <a:t>Разработчик бота и фреймворка для ботов</a:t>
+            </a:r>
+            <a:br>
+              <a:rPr lang="en-US" sz="2700" dirty="0">
+                <a:solidFill>
+                  <a:schemeClr val="bg1"/>
+                </a:solidFill>
+              </a:rPr>
+            </a:br>
+            <a:r>
+              <a:rPr lang="en-US" sz="2700" dirty="0">
+                <a:solidFill>
+                  <a:schemeClr val="bg1"/>
+                </a:solidFill>
+              </a:rPr>
+              <a:t> </a:t>
+            </a:r>
+          </a:p>
+          <a:p>
+            <a:pPr marL="342900" indent="-342900">
+              <a:buFont typeface="Arial" panose="020B0604020202020204" pitchFamily="34" charset="0"/>
+              <a:buChar char="•"/>
+              <a:defRPr sz="2000">
+                <a:solidFill>
+                  <a:srgbClr val="FFFFFF"/>
+                </a:solidFill>
+              </a:defRPr>
+            </a:pPr>
+            <a:r>
+              <a:rPr lang="ru-RU" sz="2700" dirty="0">
+                <a:solidFill>
+                  <a:schemeClr val="bg1"/>
+                </a:solidFill>
+              </a:rPr>
+              <a:t>Даниил Карпенко</a:t>
+            </a:r>
+            <a:br>
+              <a:rPr lang="ru-RU" sz="2700" dirty="0">
+                <a:solidFill>
+                  <a:schemeClr val="bg1"/>
+                </a:solidFill>
+              </a:rPr>
+            </a:br>
+            <a:r>
               <a:rPr lang="ru-RU" sz="2700" dirty="0" err="1">
                 <a:solidFill>
-                  <a:schemeClr val="tx1">
-                    <a:lumMod val="95000"/>
-                    <a:lumOff val="5000"/>
-                  </a:schemeClr>
+                  <a:schemeClr val="bg1"/>
                 </a:solidFill>
               </a:rPr>
               <a:t>Фронтенд</a:t>
@@ -4054,10 +3921,7 @@
             <a:r>
               <a:rPr lang="en-US" sz="2700" dirty="0">
                 <a:solidFill>
-                  <a:schemeClr val="tx1">
-                    <a:lumMod val="95000"/>
-                    <a:lumOff val="5000"/>
-                  </a:schemeClr>
+                  <a:schemeClr val="bg1"/>
                 </a:solidFill>
               </a:rPr>
               <a:t> </a:t>
@@ -4065,20 +3929,14 @@
             <a:r>
               <a:rPr lang="ru-RU" sz="2700" dirty="0">
                 <a:solidFill>
-                  <a:schemeClr val="tx1">
-                    <a:lumMod val="95000"/>
-                    <a:lumOff val="5000"/>
-                  </a:schemeClr>
+                  <a:schemeClr val="bg1"/>
                 </a:solidFill>
               </a:rPr>
               <a:t>разработчик</a:t>
             </a:r>
             <a:endParaRPr sz="2700" dirty="0">
               <a:solidFill>
-                <a:schemeClr val="tx1">
-                  <a:lumMod val="95000"/>
-                  <a:lumOff val="5000"/>
-                </a:schemeClr>
+                <a:schemeClr val="bg1"/>
               </a:solidFill>
             </a:endParaRPr>
           </a:p>
@@ -4100,6 +3958,20 @@
 <file path=ppt/slides/slide3.xml><?xml version="1.0" encoding="utf-8"?>
 <p:sld xmlns:a="http://schemas.openxmlformats.org/drawingml/2006/main" xmlns:r="http://schemas.openxmlformats.org/officeDocument/2006/relationships" xmlns:p="http://schemas.openxmlformats.org/presentationml/2006/main">
   <p:cSld>
+    <p:bg>
+      <p:bgPr>
+        <a:blipFill dpi="0" rotWithShape="1">
+          <a:blip r:embed="rId2">
+            <a:lum/>
+          </a:blip>
+          <a:srcRect/>
+          <a:stretch>
+            <a:fillRect t="-13000" b="-13000"/>
+          </a:stretch>
+        </a:blipFill>
+        <a:effectLst/>
+      </p:bgPr>
+    </p:bg>
     <p:spTree>
       <p:nvGrpSpPr>
         <p:cNvPr id="1" name=""/>
@@ -4152,10 +4024,7 @@
             <a:r>
               <a:rPr lang="ru-RU" sz="3500" dirty="0">
                 <a:solidFill>
-                  <a:schemeClr val="tx1">
-                    <a:lumMod val="95000"/>
-                    <a:lumOff val="5000"/>
-                  </a:schemeClr>
+                  <a:schemeClr val="bg1"/>
                 </a:solidFill>
               </a:rPr>
               <a:t>Целевая</a:t>
@@ -4163,10 +4032,7 @@
             <a:r>
               <a:rPr dirty="0">
                 <a:solidFill>
-                  <a:schemeClr val="tx1">
-                    <a:lumMod val="95000"/>
-                    <a:lumOff val="5000"/>
-                  </a:schemeClr>
+                  <a:schemeClr val="bg1"/>
                 </a:solidFill>
               </a:rPr>
               <a:t> </a:t>
@@ -4174,20 +4040,14 @@
             <a:r>
               <a:rPr lang="ru-RU" dirty="0">
                 <a:solidFill>
-                  <a:schemeClr val="tx1">
-                    <a:lumMod val="95000"/>
-                    <a:lumOff val="5000"/>
-                  </a:schemeClr>
+                  <a:schemeClr val="bg1"/>
                 </a:solidFill>
               </a:rPr>
               <a:t>аудитория</a:t>
             </a:r>
             <a:endParaRPr dirty="0">
               <a:solidFill>
-                <a:schemeClr val="tx1">
-                  <a:lumMod val="95000"/>
-                  <a:lumOff val="5000"/>
-                </a:schemeClr>
+                <a:schemeClr val="bg1"/>
               </a:solidFill>
             </a:endParaRPr>
           </a:p>
@@ -4236,10 +4096,7 @@
             <a:r>
               <a:rPr lang="ru-RU" sz="2700" dirty="0">
                 <a:solidFill>
-                  <a:schemeClr val="tx1">
-                    <a:lumMod val="95000"/>
-                    <a:lumOff val="5000"/>
-                  </a:schemeClr>
+                  <a:schemeClr val="bg1"/>
                 </a:solidFill>
               </a:rPr>
               <a:t>Руководители государственных департаментов</a:t>
@@ -4261,10 +4118,7 @@
             <a:r>
               <a:rPr lang="ru-RU" sz="2700" dirty="0">
                 <a:solidFill>
-                  <a:schemeClr val="tx1">
-                    <a:lumMod val="95000"/>
-                    <a:lumOff val="5000"/>
-                  </a:schemeClr>
+                  <a:schemeClr val="bg1"/>
                 </a:solidFill>
               </a:rPr>
               <a:t>Руководители отделов</a:t>
@@ -4286,10 +4140,7 @@
             <a:r>
               <a:rPr lang="ru-RU" sz="2700" dirty="0">
                 <a:solidFill>
-                  <a:schemeClr val="tx1">
-                    <a:lumMod val="95000"/>
-                    <a:lumOff val="5000"/>
-                  </a:schemeClr>
+                  <a:schemeClr val="bg1"/>
                 </a:solidFill>
               </a:rPr>
               <a:t>Администраторы и тимлиды</a:t>
@@ -4311,10 +4162,7 @@
             <a:r>
               <a:rPr lang="ru-RU" sz="2700" dirty="0">
                 <a:solidFill>
-                  <a:schemeClr val="tx1">
-                    <a:lumMod val="95000"/>
-                    <a:lumOff val="5000"/>
-                  </a:schemeClr>
+                  <a:schemeClr val="bg1"/>
                 </a:solidFill>
               </a:rPr>
               <a:t>Сотрудники и волонтёры</a:t>
@@ -4337,7 +4185,7 @@
           <p:nvPr/>
         </p:nvPicPr>
         <p:blipFill>
-          <a:blip r:embed="rId2">
+          <a:blip r:embed="rId3">
             <a:extLst>
               <a:ext uri="{28A0092B-C50C-407E-A947-70E740481C1C}">
                 <a14:useLocalDpi xmlns:a14="http://schemas.microsoft.com/office/drawing/2010/main" val="0"/>
@@ -4351,7 +4199,7 @@
         </p:blipFill>
         <p:spPr bwMode="auto">
           <a:xfrm>
-            <a:off x="7771562" y="2340203"/>
+            <a:off x="7231119" y="2496444"/>
             <a:ext cx="4135734" cy="4135734"/>
           </a:xfrm>
           <a:prstGeom prst="rect">
@@ -4385,6 +4233,20 @@
 <file path=ppt/slides/slide4.xml><?xml version="1.0" encoding="utf-8"?>
 <p:sld xmlns:a="http://schemas.openxmlformats.org/drawingml/2006/main" xmlns:r="http://schemas.openxmlformats.org/officeDocument/2006/relationships" xmlns:p="http://schemas.openxmlformats.org/presentationml/2006/main">
   <p:cSld>
+    <p:bg>
+      <p:bgPr>
+        <a:blipFill dpi="0" rotWithShape="1">
+          <a:blip r:embed="rId2">
+            <a:lum/>
+          </a:blip>
+          <a:srcRect/>
+          <a:stretch>
+            <a:fillRect t="-13000" b="-13000"/>
+          </a:stretch>
+        </a:blipFill>
+        <a:effectLst/>
+      </p:bgPr>
+    </p:bg>
     <p:spTree>
       <p:nvGrpSpPr>
         <p:cNvPr id="1" name=""/>
@@ -4437,20 +4299,14 @@
             <a:r>
               <a:rPr sz="3500" dirty="0" err="1">
                 <a:solidFill>
-                  <a:schemeClr val="tx1">
-                    <a:lumMod val="95000"/>
-                    <a:lumOff val="5000"/>
-                  </a:schemeClr>
+                  <a:schemeClr val="bg1"/>
                 </a:solidFill>
               </a:rPr>
               <a:t>Проблема</a:t>
             </a:r>
             <a:endParaRPr sz="3500" dirty="0">
               <a:solidFill>
-                <a:schemeClr val="tx1">
-                  <a:lumMod val="95000"/>
-                  <a:lumOff val="5000"/>
-                </a:schemeClr>
+                <a:schemeClr val="bg1"/>
               </a:solidFill>
             </a:endParaRPr>
           </a:p>
@@ -4499,10 +4355,7 @@
             <a:r>
               <a:rPr sz="2700" dirty="0" err="1">
                 <a:solidFill>
-                  <a:schemeClr val="tx1">
-                    <a:lumMod val="95000"/>
-                    <a:lumOff val="5000"/>
-                  </a:schemeClr>
+                  <a:schemeClr val="bg1"/>
                 </a:solidFill>
               </a:rPr>
               <a:t>Ручные</a:t>
@@ -4510,10 +4363,7 @@
             <a:r>
               <a:rPr sz="2700" dirty="0">
                 <a:solidFill>
-                  <a:schemeClr val="tx1">
-                    <a:lumMod val="95000"/>
-                    <a:lumOff val="5000"/>
-                  </a:schemeClr>
+                  <a:schemeClr val="bg1"/>
                 </a:solidFill>
               </a:rPr>
               <a:t> </a:t>
@@ -4521,10 +4371,7 @@
             <a:r>
               <a:rPr sz="2700" dirty="0" err="1">
                 <a:solidFill>
-                  <a:schemeClr val="tx1">
-                    <a:lumMod val="95000"/>
-                    <a:lumOff val="5000"/>
-                  </a:schemeClr>
+                  <a:schemeClr val="bg1"/>
                 </a:solidFill>
               </a:rPr>
               <a:t>напоминания</a:t>
@@ -4532,10 +4379,7 @@
             <a:r>
               <a:rPr sz="2700" dirty="0">
                 <a:solidFill>
-                  <a:schemeClr val="tx1">
-                    <a:lumMod val="95000"/>
-                    <a:lumOff val="5000"/>
-                  </a:schemeClr>
+                  <a:schemeClr val="bg1"/>
                 </a:solidFill>
               </a:rPr>
               <a:t> </a:t>
@@ -4543,10 +4387,7 @@
             <a:r>
               <a:rPr sz="2700" dirty="0" err="1">
                 <a:solidFill>
-                  <a:schemeClr val="tx1">
-                    <a:lumMod val="95000"/>
-                    <a:lumOff val="5000"/>
-                  </a:schemeClr>
+                  <a:schemeClr val="bg1"/>
                 </a:solidFill>
               </a:rPr>
               <a:t>теряются</a:t>
@@ -4554,10 +4395,7 @@
             <a:r>
               <a:rPr sz="2700" dirty="0">
                 <a:solidFill>
-                  <a:schemeClr val="tx1">
-                    <a:lumMod val="95000"/>
-                    <a:lumOff val="5000"/>
-                  </a:schemeClr>
+                  <a:schemeClr val="bg1"/>
                 </a:solidFill>
               </a:rPr>
               <a:t> </a:t>
@@ -4565,10 +4403,7 @@
             <a:r>
               <a:rPr sz="2700" dirty="0" err="1">
                 <a:solidFill>
-                  <a:schemeClr val="tx1">
-                    <a:lumMod val="95000"/>
-                    <a:lumOff val="5000"/>
-                  </a:schemeClr>
+                  <a:schemeClr val="bg1"/>
                 </a:solidFill>
               </a:rPr>
               <a:t>или</a:t>
@@ -4576,10 +4411,7 @@
             <a:r>
               <a:rPr sz="2700" dirty="0">
                 <a:solidFill>
-                  <a:schemeClr val="tx1">
-                    <a:lumMod val="95000"/>
-                    <a:lumOff val="5000"/>
-                  </a:schemeClr>
+                  <a:schemeClr val="bg1"/>
                 </a:solidFill>
               </a:rPr>
               <a:t> </a:t>
@@ -4587,10 +4419,7 @@
             <a:r>
               <a:rPr sz="2700" dirty="0" err="1">
                 <a:solidFill>
-                  <a:schemeClr val="tx1">
-                    <a:lumMod val="95000"/>
-                    <a:lumOff val="5000"/>
-                  </a:schemeClr>
+                  <a:schemeClr val="bg1"/>
                 </a:solidFill>
               </a:rPr>
               <a:t>отправляются</a:t>
@@ -4598,10 +4427,7 @@
             <a:r>
               <a:rPr sz="2700" dirty="0">
                 <a:solidFill>
-                  <a:schemeClr val="tx1">
-                    <a:lumMod val="95000"/>
-                    <a:lumOff val="5000"/>
-                  </a:schemeClr>
+                  <a:schemeClr val="bg1"/>
                 </a:solidFill>
               </a:rPr>
               <a:t> </a:t>
@@ -4609,10 +4435,7 @@
             <a:r>
               <a:rPr sz="2700" dirty="0" err="1">
                 <a:solidFill>
-                  <a:schemeClr val="tx1">
-                    <a:lumMod val="95000"/>
-                    <a:lumOff val="5000"/>
-                  </a:schemeClr>
+                  <a:schemeClr val="bg1"/>
                 </a:solidFill>
               </a:rPr>
               <a:t>не</a:t>
@@ -4620,10 +4443,7 @@
             <a:r>
               <a:rPr sz="2700" dirty="0">
                 <a:solidFill>
-                  <a:schemeClr val="tx1">
-                    <a:lumMod val="95000"/>
-                    <a:lumOff val="5000"/>
-                  </a:schemeClr>
+                  <a:schemeClr val="bg1"/>
                 </a:solidFill>
               </a:rPr>
               <a:t> </a:t>
@@ -4631,10 +4451,7 @@
             <a:r>
               <a:rPr sz="2700" dirty="0" err="1">
                 <a:solidFill>
-                  <a:schemeClr val="tx1">
-                    <a:lumMod val="95000"/>
-                    <a:lumOff val="5000"/>
-                  </a:schemeClr>
+                  <a:schemeClr val="bg1"/>
                 </a:solidFill>
               </a:rPr>
               <a:t>тем</a:t>
@@ -4642,10 +4459,7 @@
             <a:r>
               <a:rPr sz="2700" dirty="0">
                 <a:solidFill>
-                  <a:schemeClr val="tx1">
-                    <a:lumMod val="95000"/>
-                    <a:lumOff val="5000"/>
-                  </a:schemeClr>
+                  <a:schemeClr val="bg1"/>
                 </a:solidFill>
               </a:rPr>
               <a:t> </a:t>
@@ -4653,20 +4467,14 @@
             <a:r>
               <a:rPr sz="2700" dirty="0" err="1">
                 <a:solidFill>
-                  <a:schemeClr val="tx1">
-                    <a:lumMod val="95000"/>
-                    <a:lumOff val="5000"/>
-                  </a:schemeClr>
+                  <a:schemeClr val="bg1"/>
                 </a:solidFill>
               </a:rPr>
               <a:t>людям</a:t>
             </a:r>
             <a:endParaRPr sz="2700" dirty="0">
               <a:solidFill>
-                <a:schemeClr val="tx1">
-                  <a:lumMod val="95000"/>
-                  <a:lumOff val="5000"/>
-                </a:schemeClr>
+                <a:schemeClr val="bg1"/>
               </a:solidFill>
             </a:endParaRPr>
           </a:p>
@@ -4686,10 +4494,7 @@
             <a:r>
               <a:rPr sz="2700" dirty="0" err="1">
                 <a:solidFill>
-                  <a:schemeClr val="tx1">
-                    <a:lumMod val="95000"/>
-                    <a:lumOff val="5000"/>
-                  </a:schemeClr>
+                  <a:schemeClr val="bg1"/>
                 </a:solidFill>
               </a:rPr>
               <a:t>Напоминания</a:t>
@@ -4697,10 +4502,7 @@
             <a:r>
               <a:rPr sz="2700" dirty="0">
                 <a:solidFill>
-                  <a:schemeClr val="tx1">
-                    <a:lumMod val="95000"/>
-                    <a:lumOff val="5000"/>
-                  </a:schemeClr>
+                  <a:schemeClr val="bg1"/>
                 </a:solidFill>
               </a:rPr>
               <a:t> </a:t>
@@ -4708,10 +4510,7 @@
             <a:r>
               <a:rPr sz="2700" dirty="0" err="1">
                 <a:solidFill>
-                  <a:schemeClr val="tx1">
-                    <a:lumMod val="95000"/>
-                    <a:lumOff val="5000"/>
-                  </a:schemeClr>
+                  <a:schemeClr val="bg1"/>
                 </a:solidFill>
               </a:rPr>
               <a:t>приходят</a:t>
@@ -4719,10 +4518,7 @@
             <a:r>
               <a:rPr sz="2700" dirty="0">
                 <a:solidFill>
-                  <a:schemeClr val="tx1">
-                    <a:lumMod val="95000"/>
-                    <a:lumOff val="5000"/>
-                  </a:schemeClr>
+                  <a:schemeClr val="bg1"/>
                 </a:solidFill>
               </a:rPr>
               <a:t> </a:t>
@@ -4730,10 +4526,7 @@
             <a:r>
               <a:rPr sz="2700" dirty="0" err="1">
                 <a:solidFill>
-                  <a:schemeClr val="tx1">
-                    <a:lumMod val="95000"/>
-                    <a:lumOff val="5000"/>
-                  </a:schemeClr>
+                  <a:schemeClr val="bg1"/>
                 </a:solidFill>
               </a:rPr>
               <a:t>поздно</a:t>
@@ -4741,10 +4534,7 @@
             <a:r>
               <a:rPr sz="2700" dirty="0">
                 <a:solidFill>
-                  <a:schemeClr val="tx1">
-                    <a:lumMod val="95000"/>
-                    <a:lumOff val="5000"/>
-                  </a:schemeClr>
+                  <a:schemeClr val="bg1"/>
                 </a:solidFill>
               </a:rPr>
               <a:t> </a:t>
@@ -4752,10 +4542,7 @@
             <a:r>
               <a:rPr sz="2700" dirty="0" err="1">
                 <a:solidFill>
-                  <a:schemeClr val="tx1">
-                    <a:lumMod val="95000"/>
-                    <a:lumOff val="5000"/>
-                  </a:schemeClr>
+                  <a:schemeClr val="bg1"/>
                 </a:solidFill>
               </a:rPr>
               <a:t>или</a:t>
@@ -4763,10 +4550,7 @@
             <a:r>
               <a:rPr sz="2700" dirty="0">
                 <a:solidFill>
-                  <a:schemeClr val="tx1">
-                    <a:lumMod val="95000"/>
-                    <a:lumOff val="5000"/>
-                  </a:schemeClr>
+                  <a:schemeClr val="bg1"/>
                 </a:solidFill>
               </a:rPr>
               <a:t> </a:t>
@@ -4774,20 +4558,14 @@
             <a:r>
               <a:rPr sz="2700" dirty="0" err="1">
                 <a:solidFill>
-                  <a:schemeClr val="tx1">
-                    <a:lumMod val="95000"/>
-                    <a:lumOff val="5000"/>
-                  </a:schemeClr>
+                  <a:schemeClr val="bg1"/>
                 </a:solidFill>
               </a:rPr>
               <a:t>забываются</a:t>
             </a:r>
             <a:endParaRPr lang="ru-RU" sz="2700" dirty="0">
               <a:solidFill>
-                <a:schemeClr val="tx1">
-                  <a:lumMod val="95000"/>
-                  <a:lumOff val="5000"/>
-                </a:schemeClr>
+                <a:schemeClr val="bg1"/>
               </a:solidFill>
             </a:endParaRPr>
           </a:p>
@@ -4804,10 +4582,7 @@
             </a:pPr>
             <a:endParaRPr lang="ru-RU" sz="2700" dirty="0">
               <a:solidFill>
-                <a:schemeClr val="tx1">
-                  <a:lumMod val="95000"/>
-                  <a:lumOff val="5000"/>
-                </a:schemeClr>
+                <a:schemeClr val="bg1"/>
               </a:solidFill>
             </a:endParaRPr>
           </a:p>
@@ -4827,10 +4602,7 @@
             <a:r>
               <a:rPr sz="2700" dirty="0" err="1">
                 <a:solidFill>
-                  <a:schemeClr val="tx1">
-                    <a:lumMod val="95000"/>
-                    <a:lumOff val="5000"/>
-                  </a:schemeClr>
+                  <a:schemeClr val="bg1"/>
                 </a:solidFill>
               </a:rPr>
               <a:t>Решение</a:t>
@@ -4838,10 +4610,7 @@
             <a:r>
               <a:rPr sz="2700" dirty="0">
                 <a:solidFill>
-                  <a:schemeClr val="tx1">
-                    <a:lumMod val="95000"/>
-                    <a:lumOff val="5000"/>
-                  </a:schemeClr>
+                  <a:schemeClr val="bg1"/>
                 </a:solidFill>
               </a:rPr>
               <a:t>: </a:t>
@@ -4849,10 +4618,7 @@
             <a:r>
               <a:rPr sz="2700" dirty="0" err="1">
                 <a:solidFill>
-                  <a:schemeClr val="tx1">
-                    <a:lumMod val="95000"/>
-                    <a:lumOff val="5000"/>
-                  </a:schemeClr>
+                  <a:schemeClr val="bg1"/>
                 </a:solidFill>
               </a:rPr>
               <a:t>автоматические</a:t>
@@ -4860,10 +4626,7 @@
             <a:r>
               <a:rPr sz="2700" dirty="0">
                 <a:solidFill>
-                  <a:schemeClr val="tx1">
-                    <a:lumMod val="95000"/>
-                    <a:lumOff val="5000"/>
-                  </a:schemeClr>
+                  <a:schemeClr val="bg1"/>
                 </a:solidFill>
               </a:rPr>
               <a:t> </a:t>
@@ -4871,10 +4634,7 @@
             <a:r>
               <a:rPr sz="2700" dirty="0" err="1">
                 <a:solidFill>
-                  <a:schemeClr val="tx1">
-                    <a:lumMod val="95000"/>
-                    <a:lumOff val="5000"/>
-                  </a:schemeClr>
+                  <a:schemeClr val="bg1"/>
                 </a:solidFill>
               </a:rPr>
               <a:t>рассылки</a:t>
@@ -4882,10 +4642,7 @@
             <a:r>
               <a:rPr sz="2700" dirty="0">
                 <a:solidFill>
-                  <a:schemeClr val="tx1">
-                    <a:lumMod val="95000"/>
-                    <a:lumOff val="5000"/>
-                  </a:schemeClr>
+                  <a:schemeClr val="bg1"/>
                 </a:solidFill>
               </a:rPr>
               <a:t> </a:t>
@@ -4893,10 +4650,7 @@
             <a:r>
               <a:rPr sz="2700" dirty="0" err="1">
                 <a:solidFill>
-                  <a:schemeClr val="tx1">
-                    <a:lumMod val="95000"/>
-                    <a:lumOff val="5000"/>
-                  </a:schemeClr>
+                  <a:schemeClr val="bg1"/>
                 </a:solidFill>
               </a:rPr>
               <a:t>по</a:t>
@@ -4904,10 +4658,7 @@
             <a:r>
               <a:rPr sz="2700" dirty="0">
                 <a:solidFill>
-                  <a:schemeClr val="tx1">
-                    <a:lumMod val="95000"/>
-                    <a:lumOff val="5000"/>
-                  </a:schemeClr>
+                  <a:schemeClr val="bg1"/>
                 </a:solidFill>
               </a:rPr>
               <a:t> </a:t>
@@ -4915,10 +4666,7 @@
             <a:r>
               <a:rPr lang="ru-RU" sz="2700" dirty="0">
                 <a:solidFill>
-                  <a:schemeClr val="tx1">
-                    <a:lumMod val="95000"/>
-                    <a:lumOff val="5000"/>
-                  </a:schemeClr>
+                  <a:schemeClr val="bg1"/>
                 </a:solidFill>
               </a:rPr>
               <a:t>группам</a:t>
@@ -4926,10 +4674,7 @@
             <a:r>
               <a:rPr lang="en-US" sz="2700" dirty="0">
                 <a:solidFill>
-                  <a:schemeClr val="tx1">
-                    <a:lumMod val="95000"/>
-                    <a:lumOff val="5000"/>
-                  </a:schemeClr>
+                  <a:schemeClr val="bg1"/>
                 </a:solidFill>
               </a:rPr>
               <a:t>, </a:t>
@@ -4937,10 +4682,7 @@
             <a:r>
               <a:rPr sz="2700" dirty="0" err="1">
                 <a:solidFill>
-                  <a:schemeClr val="tx1">
-                    <a:lumMod val="95000"/>
-                    <a:lumOff val="5000"/>
-                  </a:schemeClr>
+                  <a:schemeClr val="bg1"/>
                 </a:solidFill>
               </a:rPr>
               <a:t>тегам</a:t>
@@ -4948,10 +4690,7 @@
             <a:r>
               <a:rPr lang="en-US" sz="2700" dirty="0">
                 <a:solidFill>
-                  <a:schemeClr val="tx1">
-                    <a:lumMod val="95000"/>
-                    <a:lumOff val="5000"/>
-                  </a:schemeClr>
+                  <a:schemeClr val="bg1"/>
                 </a:solidFill>
               </a:rPr>
               <a:t>, </a:t>
@@ -4959,20 +4698,14 @@
             <a:r>
               <a:rPr sz="2700" dirty="0" err="1">
                 <a:solidFill>
-                  <a:schemeClr val="tx1">
-                    <a:lumMod val="95000"/>
-                    <a:lumOff val="5000"/>
-                  </a:schemeClr>
+                  <a:schemeClr val="bg1"/>
                 </a:solidFill>
               </a:rPr>
               <a:t>участникам</a:t>
             </a:r>
             <a:endParaRPr sz="2700" dirty="0">
               <a:solidFill>
-                <a:schemeClr val="tx1">
-                  <a:lumMod val="95000"/>
-                  <a:lumOff val="5000"/>
-                </a:schemeClr>
+                <a:schemeClr val="bg1"/>
               </a:solidFill>
             </a:endParaRPr>
           </a:p>
@@ -4993,7 +4726,7 @@
           <p:nvPr/>
         </p:nvPicPr>
         <p:blipFill>
-          <a:blip r:embed="rId2">
+          <a:blip r:embed="rId3">
             <a:extLst>
               <a:ext uri="{28A0092B-C50C-407E-A947-70E740481C1C}">
                 <a14:useLocalDpi xmlns:a14="http://schemas.microsoft.com/office/drawing/2010/main" val="0"/>
@@ -5041,6 +4774,20 @@
 <file path=ppt/slides/slide5.xml><?xml version="1.0" encoding="utf-8"?>
 <p:sld xmlns:a="http://schemas.openxmlformats.org/drawingml/2006/main" xmlns:r="http://schemas.openxmlformats.org/officeDocument/2006/relationships" xmlns:p="http://schemas.openxmlformats.org/presentationml/2006/main">
   <p:cSld>
+    <p:bg>
+      <p:bgPr>
+        <a:blipFill dpi="0" rotWithShape="1">
+          <a:blip r:embed="rId2">
+            <a:lum/>
+          </a:blip>
+          <a:srcRect/>
+          <a:stretch>
+            <a:fillRect t="-13000" b="-13000"/>
+          </a:stretch>
+        </a:blipFill>
+        <a:effectLst/>
+      </p:bgPr>
+    </p:bg>
     <p:spTree>
       <p:nvGrpSpPr>
         <p:cNvPr id="1" name=""/>
@@ -5093,10 +4840,7 @@
             <a:r>
               <a:rPr sz="3500" dirty="0" err="1">
                 <a:solidFill>
-                  <a:schemeClr val="tx1">
-                    <a:lumMod val="95000"/>
-                    <a:lumOff val="5000"/>
-                  </a:schemeClr>
+                  <a:schemeClr val="bg1"/>
                 </a:solidFill>
               </a:rPr>
               <a:t>Технические</a:t>
@@ -5104,10 +4848,7 @@
             <a:r>
               <a:rPr dirty="0">
                 <a:solidFill>
-                  <a:schemeClr val="tx1">
-                    <a:lumMod val="95000"/>
-                    <a:lumOff val="5000"/>
-                  </a:schemeClr>
+                  <a:schemeClr val="bg1"/>
                 </a:solidFill>
               </a:rPr>
               <a:t> </a:t>
@@ -5115,20 +4856,14 @@
             <a:r>
               <a:rPr dirty="0" err="1">
                 <a:solidFill>
-                  <a:schemeClr val="tx1">
-                    <a:lumMod val="95000"/>
-                    <a:lumOff val="5000"/>
-                  </a:schemeClr>
+                  <a:schemeClr val="bg1"/>
                 </a:solidFill>
               </a:rPr>
               <a:t>требования</a:t>
             </a:r>
             <a:endParaRPr dirty="0">
               <a:solidFill>
-                <a:schemeClr val="tx1">
-                  <a:lumMod val="95000"/>
-                  <a:lumOff val="5000"/>
-                </a:schemeClr>
+                <a:schemeClr val="bg1"/>
               </a:solidFill>
             </a:endParaRPr>
           </a:p>
@@ -5177,10 +4912,7 @@
             <a:r>
               <a:rPr sz="2700" dirty="0" err="1">
                 <a:solidFill>
-                  <a:schemeClr val="tx1">
-                    <a:lumMod val="95000"/>
-                    <a:lumOff val="5000"/>
-                  </a:schemeClr>
+                  <a:schemeClr val="bg1"/>
                 </a:solidFill>
               </a:rPr>
               <a:t>Интеграция</a:t>
@@ -5188,10 +4920,7 @@
             <a:r>
               <a:rPr sz="2700" dirty="0">
                 <a:solidFill>
-                  <a:schemeClr val="tx1">
-                    <a:lumMod val="95000"/>
-                    <a:lumOff val="5000"/>
-                  </a:schemeClr>
+                  <a:schemeClr val="bg1"/>
                 </a:solidFill>
               </a:rPr>
               <a:t> </a:t>
@@ -5199,10 +4928,7 @@
             <a:r>
               <a:rPr sz="2700" dirty="0" err="1">
                 <a:solidFill>
-                  <a:schemeClr val="tx1">
-                    <a:lumMod val="95000"/>
-                    <a:lumOff val="5000"/>
-                  </a:schemeClr>
+                  <a:schemeClr val="bg1"/>
                 </a:solidFill>
               </a:rPr>
               <a:t>с</a:t>
@@ -5210,10 +4936,7 @@
             <a:r>
               <a:rPr sz="2700" dirty="0">
                 <a:solidFill>
-                  <a:schemeClr val="tx1">
-                    <a:lumMod val="95000"/>
-                    <a:lumOff val="5000"/>
-                  </a:schemeClr>
+                  <a:schemeClr val="bg1"/>
                 </a:solidFill>
               </a:rPr>
               <a:t> MAX</a:t>
@@ -5235,10 +4958,7 @@
             <a:r>
               <a:rPr sz="2700" dirty="0" err="1">
                 <a:solidFill>
-                  <a:schemeClr val="tx1">
-                    <a:lumMod val="95000"/>
-                    <a:lumOff val="5000"/>
-                  </a:schemeClr>
+                  <a:schemeClr val="bg1"/>
                 </a:solidFill>
               </a:rPr>
               <a:t>Управление</a:t>
@@ -5246,10 +4966,7 @@
             <a:r>
               <a:rPr sz="2700" dirty="0">
                 <a:solidFill>
-                  <a:schemeClr val="tx1">
-                    <a:lumMod val="95000"/>
-                    <a:lumOff val="5000"/>
-                  </a:schemeClr>
+                  <a:schemeClr val="bg1"/>
                 </a:solidFill>
               </a:rPr>
               <a:t> </a:t>
@@ -5257,10 +4974,7 @@
             <a:r>
               <a:rPr sz="2700" dirty="0" err="1">
                 <a:solidFill>
-                  <a:schemeClr val="tx1">
-                    <a:lumMod val="95000"/>
-                    <a:lumOff val="5000"/>
-                  </a:schemeClr>
+                  <a:schemeClr val="bg1"/>
                 </a:solidFill>
               </a:rPr>
               <a:t>ролями</a:t>
@@ -5268,10 +4982,7 @@
             <a:r>
               <a:rPr sz="2700" dirty="0">
                 <a:solidFill>
-                  <a:schemeClr val="tx1">
-                    <a:lumMod val="95000"/>
-                    <a:lumOff val="5000"/>
-                  </a:schemeClr>
+                  <a:schemeClr val="bg1"/>
                 </a:solidFill>
               </a:rPr>
               <a:t>, </a:t>
@@ -5279,10 +4990,7 @@
             <a:r>
               <a:rPr sz="2700" dirty="0" err="1">
                 <a:solidFill>
-                  <a:schemeClr val="tx1">
-                    <a:lumMod val="95000"/>
-                    <a:lumOff val="5000"/>
-                  </a:schemeClr>
+                  <a:schemeClr val="bg1"/>
                 </a:solidFill>
               </a:rPr>
               <a:t>тегами</a:t>
@@ -5290,10 +4998,7 @@
             <a:r>
               <a:rPr sz="2700" dirty="0">
                 <a:solidFill>
-                  <a:schemeClr val="tx1">
-                    <a:lumMod val="95000"/>
-                    <a:lumOff val="5000"/>
-                  </a:schemeClr>
+                  <a:schemeClr val="bg1"/>
                 </a:solidFill>
               </a:rPr>
               <a:t>, </a:t>
@@ -5301,10 +5006,7 @@
             <a:r>
               <a:rPr sz="2700" dirty="0" err="1">
                 <a:solidFill>
-                  <a:schemeClr val="tx1">
-                    <a:lumMod val="95000"/>
-                    <a:lumOff val="5000"/>
-                  </a:schemeClr>
+                  <a:schemeClr val="bg1"/>
                 </a:solidFill>
               </a:rPr>
               <a:t>группами</a:t>
@@ -5312,10 +5014,7 @@
             <a:r>
               <a:rPr sz="2700" dirty="0">
                 <a:solidFill>
-                  <a:schemeClr val="tx1">
-                    <a:lumMod val="95000"/>
-                    <a:lumOff val="5000"/>
-                  </a:schemeClr>
+                  <a:schemeClr val="bg1"/>
                 </a:solidFill>
               </a:rPr>
               <a:t> </a:t>
@@ -5323,10 +5022,7 @@
             <a:r>
               <a:rPr sz="2700" dirty="0" err="1">
                 <a:solidFill>
-                  <a:schemeClr val="tx1">
-                    <a:lumMod val="95000"/>
-                    <a:lumOff val="5000"/>
-                  </a:schemeClr>
+                  <a:schemeClr val="bg1"/>
                 </a:solidFill>
               </a:rPr>
               <a:t>и</a:t>
@@ -5334,10 +5030,7 @@
             <a:r>
               <a:rPr sz="2700" dirty="0">
                 <a:solidFill>
-                  <a:schemeClr val="tx1">
-                    <a:lumMod val="95000"/>
-                    <a:lumOff val="5000"/>
-                  </a:schemeClr>
+                  <a:schemeClr val="bg1"/>
                 </a:solidFill>
               </a:rPr>
               <a:t> </a:t>
@@ -5345,20 +5038,14 @@
             <a:r>
               <a:rPr sz="2700" dirty="0" err="1">
                 <a:solidFill>
-                  <a:schemeClr val="tx1">
-                    <a:lumMod val="95000"/>
-                    <a:lumOff val="5000"/>
-                  </a:schemeClr>
+                  <a:schemeClr val="bg1"/>
                 </a:solidFill>
               </a:rPr>
               <a:t>событиями</a:t>
             </a:r>
             <a:endParaRPr sz="2700" dirty="0">
               <a:solidFill>
-                <a:schemeClr val="tx1">
-                  <a:lumMod val="95000"/>
-                  <a:lumOff val="5000"/>
-                </a:schemeClr>
+                <a:schemeClr val="bg1"/>
               </a:solidFill>
             </a:endParaRPr>
           </a:p>
@@ -5378,10 +5065,7 @@
             <a:r>
               <a:rPr lang="ru-RU" sz="2700" dirty="0">
                 <a:solidFill>
-                  <a:schemeClr val="tx1">
-                    <a:lumMod val="95000"/>
-                    <a:lumOff val="5000"/>
-                  </a:schemeClr>
+                  <a:schemeClr val="bg1"/>
                 </a:solidFill>
               </a:rPr>
               <a:t>Н</a:t>
@@ -5389,10 +5073,7 @@
             <a:r>
               <a:rPr sz="2700" dirty="0" err="1">
                 <a:solidFill>
-                  <a:schemeClr val="tx1">
-                    <a:lumMod val="95000"/>
-                    <a:lumOff val="5000"/>
-                  </a:schemeClr>
+                  <a:schemeClr val="bg1"/>
                 </a:solidFill>
               </a:rPr>
               <a:t>апоминания</a:t>
@@ -5400,20 +5081,14 @@
             <a:r>
               <a:rPr lang="ru-RU" sz="2700" dirty="0">
                 <a:solidFill>
-                  <a:schemeClr val="tx1">
-                    <a:lumMod val="95000"/>
-                    <a:lumOff val="5000"/>
-                  </a:schemeClr>
+                  <a:schemeClr val="bg1"/>
                 </a:solidFill>
               </a:rPr>
               <a:t> о событиях</a:t>
             </a:r>
             <a:endParaRPr sz="2700" dirty="0">
               <a:solidFill>
-                <a:schemeClr val="tx1">
-                  <a:lumMod val="95000"/>
-                  <a:lumOff val="5000"/>
-                </a:schemeClr>
+                <a:schemeClr val="bg1"/>
               </a:solidFill>
             </a:endParaRPr>
           </a:p>
@@ -5433,10 +5108,7 @@
             <a:r>
               <a:rPr lang="ru-RU" sz="2700" dirty="0">
                 <a:solidFill>
-                  <a:schemeClr val="tx1">
-                    <a:lumMod val="95000"/>
-                    <a:lumOff val="5000"/>
-                  </a:schemeClr>
+                  <a:schemeClr val="bg1"/>
                 </a:solidFill>
               </a:rPr>
               <a:t>И </a:t>
@@ -5444,10 +5116,7 @@
             <a:r>
               <a:rPr sz="2700" dirty="0">
                 <a:solidFill>
-                  <a:schemeClr val="tx1">
-                    <a:lumMod val="95000"/>
-                    <a:lumOff val="5000"/>
-                  </a:schemeClr>
+                  <a:schemeClr val="bg1"/>
                 </a:solidFill>
               </a:rPr>
               <a:t>WebApp</a:t>
@@ -5455,20 +5124,14 @@
             <a:r>
               <a:rPr lang="ru-RU" sz="2700" dirty="0">
                 <a:solidFill>
-                  <a:schemeClr val="tx1">
-                    <a:lumMod val="95000"/>
-                    <a:lumOff val="5000"/>
-                  </a:schemeClr>
+                  <a:schemeClr val="bg1"/>
                 </a:solidFill>
               </a:rPr>
               <a:t>, и бот</a:t>
             </a:r>
             <a:endParaRPr sz="2700" dirty="0">
               <a:solidFill>
-                <a:schemeClr val="tx1">
-                  <a:lumMod val="95000"/>
-                  <a:lumOff val="5000"/>
-                </a:schemeClr>
+                <a:schemeClr val="bg1"/>
               </a:solidFill>
             </a:endParaRPr>
           </a:p>
@@ -5490,6 +5153,20 @@
 <file path=ppt/slides/slide6.xml><?xml version="1.0" encoding="utf-8"?>
 <p:sld xmlns:a="http://schemas.openxmlformats.org/drawingml/2006/main" xmlns:r="http://schemas.openxmlformats.org/officeDocument/2006/relationships" xmlns:p="http://schemas.openxmlformats.org/presentationml/2006/main">
   <p:cSld>
+    <p:bg>
+      <p:bgPr>
+        <a:blipFill dpi="0" rotWithShape="1">
+          <a:blip r:embed="rId2">
+            <a:lum/>
+          </a:blip>
+          <a:srcRect/>
+          <a:stretch>
+            <a:fillRect t="-13000" b="-13000"/>
+          </a:stretch>
+        </a:blipFill>
+        <a:effectLst/>
+      </p:bgPr>
+    </p:bg>
     <p:spTree>
       <p:nvGrpSpPr>
         <p:cNvPr id="1" name=""/>
@@ -5542,10 +5219,7 @@
             <a:r>
               <a:rPr sz="3500" dirty="0" err="1">
                 <a:solidFill>
-                  <a:schemeClr val="tx1">
-                    <a:lumMod val="95000"/>
-                    <a:lumOff val="5000"/>
-                  </a:schemeClr>
+                  <a:schemeClr val="bg1"/>
                 </a:solidFill>
               </a:rPr>
               <a:t>Архитектура</a:t>
@@ -5553,10 +5227,7 @@
             <a:r>
               <a:rPr sz="3500" dirty="0">
                 <a:solidFill>
-                  <a:schemeClr val="tx1">
-                    <a:lumMod val="95000"/>
-                    <a:lumOff val="5000"/>
-                  </a:schemeClr>
+                  <a:schemeClr val="bg1"/>
                 </a:solidFill>
               </a:rPr>
               <a:t> </a:t>
@@ -5564,10 +5235,7 @@
             <a:r>
               <a:rPr sz="3500" dirty="0" err="1">
                 <a:solidFill>
-                  <a:schemeClr val="tx1">
-                    <a:lumMod val="95000"/>
-                    <a:lumOff val="5000"/>
-                  </a:schemeClr>
+                  <a:schemeClr val="bg1"/>
                 </a:solidFill>
               </a:rPr>
               <a:t>и</a:t>
@@ -5575,10 +5243,7 @@
             <a:r>
               <a:rPr sz="3500" dirty="0">
                 <a:solidFill>
-                  <a:schemeClr val="tx1">
-                    <a:lumMod val="95000"/>
-                    <a:lumOff val="5000"/>
-                  </a:schemeClr>
+                  <a:schemeClr val="bg1"/>
                 </a:solidFill>
               </a:rPr>
               <a:t> </a:t>
@@ -5586,20 +5251,14 @@
             <a:r>
               <a:rPr sz="3500" dirty="0" err="1">
                 <a:solidFill>
-                  <a:schemeClr val="tx1">
-                    <a:lumMod val="95000"/>
-                    <a:lumOff val="5000"/>
-                  </a:schemeClr>
+                  <a:schemeClr val="bg1"/>
                 </a:solidFill>
               </a:rPr>
               <a:t>масштабирование</a:t>
             </a:r>
             <a:endParaRPr sz="3500" dirty="0">
               <a:solidFill>
-                <a:schemeClr val="tx1">
-                  <a:lumMod val="95000"/>
-                  <a:lumOff val="5000"/>
-                </a:schemeClr>
+                <a:schemeClr val="bg1"/>
               </a:solidFill>
             </a:endParaRPr>
           </a:p>
@@ -5648,10 +5307,7 @@
             <a:r>
               <a:rPr sz="2500" dirty="0">
                 <a:solidFill>
-                  <a:schemeClr val="tx1">
-                    <a:lumMod val="95000"/>
-                    <a:lumOff val="5000"/>
-                  </a:schemeClr>
+                  <a:schemeClr val="bg1"/>
                 </a:solidFill>
               </a:rPr>
               <a:t>MAX Messenger ↔ t123_hakaton_bot ↔ Backend</a:t>
@@ -5673,10 +5329,7 @@
             <a:r>
               <a:rPr sz="2500" dirty="0">
                 <a:solidFill>
-                  <a:schemeClr val="tx1">
-                    <a:lumMod val="95000"/>
-                    <a:lumOff val="5000"/>
-                  </a:schemeClr>
+                  <a:schemeClr val="bg1"/>
                 </a:solidFill>
               </a:rPr>
               <a:t>Scheduler (</a:t>
@@ -5684,10 +5337,7 @@
             <a:r>
               <a:rPr sz="2500" dirty="0" err="1">
                 <a:solidFill>
-                  <a:schemeClr val="tx1">
-                    <a:lumMod val="95000"/>
-                    <a:lumOff val="5000"/>
-                  </a:schemeClr>
+                  <a:schemeClr val="bg1"/>
                 </a:solidFill>
               </a:rPr>
               <a:t>TaskIq</a:t>
@@ -5695,10 +5345,7 @@
             <a:r>
               <a:rPr sz="2500" dirty="0">
                 <a:solidFill>
-                  <a:schemeClr val="tx1">
-                    <a:lumMod val="95000"/>
-                    <a:lumOff val="5000"/>
-                  </a:schemeClr>
+                  <a:schemeClr val="bg1"/>
                 </a:solidFill>
               </a:rPr>
               <a:t>) </a:t>
@@ -5706,20 +5353,14 @@
             <a:r>
               <a:rPr lang="ru-RU" sz="2500" dirty="0">
                 <a:solidFill>
-                  <a:schemeClr val="tx1">
-                    <a:lumMod val="95000"/>
-                    <a:lumOff val="5000"/>
-                  </a:schemeClr>
+                  <a:schemeClr val="bg1"/>
                 </a:solidFill>
               </a:rPr>
               <a:t>отправляет уведомления</a:t>
             </a:r>
             <a:endParaRPr sz="2500" dirty="0">
               <a:solidFill>
-                <a:schemeClr val="tx1">
-                  <a:lumMod val="95000"/>
-                  <a:lumOff val="5000"/>
-                </a:schemeClr>
+                <a:schemeClr val="bg1"/>
               </a:solidFill>
             </a:endParaRPr>
           </a:p>
@@ -5739,10 +5380,7 @@
             <a:r>
               <a:rPr sz="2500" dirty="0">
                 <a:solidFill>
-                  <a:schemeClr val="tx1">
-                    <a:lumMod val="95000"/>
-                    <a:lumOff val="5000"/>
-                  </a:schemeClr>
+                  <a:schemeClr val="bg1"/>
                 </a:solidFill>
               </a:rPr>
               <a:t>Postgres </a:t>
@@ -5750,10 +5388,7 @@
             <a:r>
               <a:rPr lang="ru-RU" sz="2500" dirty="0">
                 <a:solidFill>
-                  <a:schemeClr val="tx1">
-                    <a:lumMod val="95000"/>
-                    <a:lumOff val="5000"/>
-                  </a:schemeClr>
+                  <a:schemeClr val="bg1"/>
                 </a:solidFill>
               </a:rPr>
               <a:t>—</a:t>
@@ -5761,10 +5396,7 @@
             <a:r>
               <a:rPr sz="2500" dirty="0">
                 <a:solidFill>
-                  <a:schemeClr val="tx1">
-                    <a:lumMod val="95000"/>
-                    <a:lumOff val="5000"/>
-                  </a:schemeClr>
+                  <a:schemeClr val="bg1"/>
                 </a:solidFill>
               </a:rPr>
               <a:t> </a:t>
@@ -5772,10 +5404,7 @@
             <a:r>
               <a:rPr sz="2500" dirty="0" err="1">
                 <a:solidFill>
-                  <a:schemeClr val="tx1">
-                    <a:lumMod val="95000"/>
-                    <a:lumOff val="5000"/>
-                  </a:schemeClr>
+                  <a:schemeClr val="bg1"/>
                 </a:solidFill>
               </a:rPr>
               <a:t>основная</a:t>
@@ -5783,20 +5412,14 @@
             <a:r>
               <a:rPr sz="2500" dirty="0">
                 <a:solidFill>
-                  <a:schemeClr val="tx1">
-                    <a:lumMod val="95000"/>
-                    <a:lumOff val="5000"/>
-                  </a:schemeClr>
+                  <a:schemeClr val="bg1"/>
                 </a:solidFill>
               </a:rPr>
               <a:t> БД</a:t>
             </a:r>
             <a:endParaRPr lang="ru-RU" sz="2500" dirty="0">
               <a:solidFill>
-                <a:schemeClr val="tx1">
-                  <a:lumMod val="95000"/>
-                  <a:lumOff val="5000"/>
-                </a:schemeClr>
+                <a:schemeClr val="bg1"/>
               </a:solidFill>
             </a:endParaRPr>
           </a:p>
@@ -5816,10 +5439,7 @@
             <a:r>
               <a:rPr sz="2500" dirty="0">
                 <a:solidFill>
-                  <a:schemeClr val="tx1">
-                    <a:lumMod val="95000"/>
-                    <a:lumOff val="5000"/>
-                  </a:schemeClr>
+                  <a:schemeClr val="bg1"/>
                 </a:solidFill>
               </a:rPr>
               <a:t>Redis — </a:t>
@@ -5827,10 +5447,7 @@
             <a:r>
               <a:rPr sz="2500" dirty="0" err="1">
                 <a:solidFill>
-                  <a:schemeClr val="tx1">
-                    <a:lumMod val="95000"/>
-                    <a:lumOff val="5000"/>
-                  </a:schemeClr>
+                  <a:schemeClr val="bg1"/>
                 </a:solidFill>
               </a:rPr>
               <a:t>кэш</a:t>
@@ -5838,10 +5455,7 @@
             <a:r>
               <a:rPr sz="2500" dirty="0">
                 <a:solidFill>
-                  <a:schemeClr val="tx1">
-                    <a:lumMod val="95000"/>
-                    <a:lumOff val="5000"/>
-                  </a:schemeClr>
+                  <a:schemeClr val="bg1"/>
                 </a:solidFill>
               </a:rPr>
               <a:t> и </a:t>
@@ -5849,10 +5463,7 @@
             <a:r>
               <a:rPr sz="2500" dirty="0" err="1">
                 <a:solidFill>
-                  <a:schemeClr val="tx1">
-                    <a:lumMod val="95000"/>
-                    <a:lumOff val="5000"/>
-                  </a:schemeClr>
+                  <a:schemeClr val="bg1"/>
                 </a:solidFill>
               </a:rPr>
               <a:t>состояния</a:t>
@@ -5860,10 +5471,7 @@
             <a:r>
               <a:rPr sz="2500" dirty="0">
                 <a:solidFill>
-                  <a:schemeClr val="tx1">
-                    <a:lumMod val="95000"/>
-                    <a:lumOff val="5000"/>
-                  </a:schemeClr>
+                  <a:schemeClr val="bg1"/>
                 </a:solidFill>
               </a:rPr>
               <a:t> </a:t>
@@ -5871,20 +5479,14 @@
             <a:r>
               <a:rPr sz="2500" dirty="0" err="1">
                 <a:solidFill>
-                  <a:schemeClr val="tx1">
-                    <a:lumMod val="95000"/>
-                    <a:lumOff val="5000"/>
-                  </a:schemeClr>
+                  <a:schemeClr val="bg1"/>
                 </a:solidFill>
               </a:rPr>
               <a:t>диалогов</a:t>
             </a:r>
             <a:endParaRPr sz="2500" dirty="0">
               <a:solidFill>
-                <a:schemeClr val="tx1">
-                  <a:lumMod val="95000"/>
-                  <a:lumOff val="5000"/>
-                </a:schemeClr>
+                <a:schemeClr val="bg1"/>
               </a:solidFill>
             </a:endParaRPr>
           </a:p>
@@ -5905,7 +5507,7 @@
           <p:nvPr/>
         </p:nvPicPr>
         <p:blipFill>
-          <a:blip r:embed="rId2"/>
+          <a:blip r:embed="rId3"/>
           <a:stretch>
             <a:fillRect/>
           </a:stretch>
@@ -5935,7 +5537,7 @@
           <p:nvPr/>
         </p:nvPicPr>
         <p:blipFill>
-          <a:blip r:embed="rId3"/>
+          <a:blip r:embed="rId4"/>
           <a:stretch>
             <a:fillRect/>
           </a:stretch>
@@ -5966,6 +5568,20 @@
 <file path=ppt/slides/slide7.xml><?xml version="1.0" encoding="utf-8"?>
 <p:sld xmlns:a="http://schemas.openxmlformats.org/drawingml/2006/main" xmlns:r="http://schemas.openxmlformats.org/officeDocument/2006/relationships" xmlns:p="http://schemas.openxmlformats.org/presentationml/2006/main">
   <p:cSld>
+    <p:bg>
+      <p:bgPr>
+        <a:blipFill dpi="0" rotWithShape="1">
+          <a:blip r:embed="rId2">
+            <a:lum/>
+          </a:blip>
+          <a:srcRect/>
+          <a:stretch>
+            <a:fillRect t="-13000" b="-13000"/>
+          </a:stretch>
+        </a:blipFill>
+        <a:effectLst/>
+      </p:bgPr>
+    </p:bg>
     <p:spTree>
       <p:nvGrpSpPr>
         <p:cNvPr id="1" name=""/>
@@ -6018,10 +5634,7 @@
             <a:r>
               <a:rPr lang="en-US" sz="2700" dirty="0">
                 <a:solidFill>
-                  <a:schemeClr val="tx1">
-                    <a:lumMod val="95000"/>
-                    <a:lumOff val="5000"/>
-                  </a:schemeClr>
+                  <a:schemeClr val="bg1"/>
                 </a:solidFill>
               </a:rPr>
               <a:t>“MAX </a:t>
@@ -6029,10 +5642,7 @@
             <a:r>
               <a:rPr lang="ru-RU" sz="2700" dirty="0">
                 <a:solidFill>
-                  <a:schemeClr val="tx1">
-                    <a:lumMod val="95000"/>
-                    <a:lumOff val="5000"/>
-                  </a:schemeClr>
+                  <a:schemeClr val="bg1"/>
                 </a:solidFill>
               </a:rPr>
               <a:t>Уведомления</a:t>
@@ -6040,10 +5650,7 @@
             <a:r>
               <a:rPr lang="en-US" sz="2700" dirty="0">
                 <a:solidFill>
-                  <a:schemeClr val="tx1">
-                    <a:lumMod val="95000"/>
-                    <a:lumOff val="5000"/>
-                  </a:schemeClr>
+                  <a:schemeClr val="bg1"/>
                 </a:solidFill>
               </a:rPr>
               <a:t>”</a:t>
@@ -6051,10 +5658,7 @@
             <a:r>
               <a:rPr lang="ru-RU" sz="2700" dirty="0">
                 <a:solidFill>
-                  <a:schemeClr val="tx1">
-                    <a:lumMod val="95000"/>
-                    <a:lumOff val="5000"/>
-                  </a:schemeClr>
+                  <a:schemeClr val="bg1"/>
                 </a:solidFill>
               </a:rPr>
               <a:t> уменьшает ручную нагрузку и повышает дисциплину команды</a:t>
@@ -6070,10 +5674,7 @@
             </a:pPr>
             <a:endParaRPr lang="en-US" sz="2700" dirty="0">
               <a:solidFill>
-                <a:schemeClr val="tx1">
-                  <a:lumMod val="95000"/>
-                  <a:lumOff val="5000"/>
-                </a:schemeClr>
+                <a:schemeClr val="bg1"/>
               </a:solidFill>
             </a:endParaRPr>
           </a:p>
@@ -6088,10 +5689,7 @@
             <a:r>
               <a:rPr lang="ru-RU" sz="2700" dirty="0">
                 <a:solidFill>
-                  <a:schemeClr val="tx1">
-                    <a:lumMod val="95000"/>
-                    <a:lumOff val="5000"/>
-                  </a:schemeClr>
+                  <a:schemeClr val="bg1"/>
                 </a:solidFill>
               </a:rPr>
               <a:t>MVP за полторы недели: группы, роли, тэги, события, напоминания, подтверждения, выгрузка </a:t>
@@ -6099,10 +5697,7 @@
             <a:r>
               <a:rPr lang="en-US" sz="2700" dirty="0" err="1">
                 <a:solidFill>
-                  <a:schemeClr val="tx1">
-                    <a:lumMod val="95000"/>
-                    <a:lumOff val="5000"/>
-                  </a:schemeClr>
+                  <a:schemeClr val="bg1"/>
                 </a:solidFill>
               </a:rPr>
               <a:t>ics</a:t>
@@ -6110,10 +5705,7 @@
             <a:r>
               <a:rPr lang="en-US" sz="2700" dirty="0">
                 <a:solidFill>
-                  <a:schemeClr val="tx1">
-                    <a:lumMod val="95000"/>
-                    <a:lumOff val="5000"/>
-                  </a:schemeClr>
+                  <a:schemeClr val="bg1"/>
                 </a:solidFill>
               </a:rPr>
               <a:t> </a:t>
@@ -6121,10 +5713,7 @@
             <a:r>
               <a:rPr lang="ru-RU" sz="2700" dirty="0">
                 <a:solidFill>
-                  <a:schemeClr val="tx1">
-                    <a:lumMod val="95000"/>
-                    <a:lumOff val="5000"/>
-                  </a:schemeClr>
+                  <a:schemeClr val="bg1"/>
                 </a:solidFill>
               </a:rPr>
               <a:t>календарей</a:t>
@@ -6140,10 +5729,7 @@
             </a:pPr>
             <a:endParaRPr lang="en-US" sz="2700" dirty="0">
               <a:solidFill>
-                <a:schemeClr val="tx1">
-                  <a:lumMod val="95000"/>
-                  <a:lumOff val="5000"/>
-                </a:schemeClr>
+                <a:schemeClr val="bg1"/>
               </a:solidFill>
             </a:endParaRPr>
           </a:p>
@@ -6158,10 +5744,7 @@
             <a:r>
               <a:rPr lang="ru-RU" sz="2700" dirty="0">
                 <a:solidFill>
-                  <a:schemeClr val="tx1">
-                    <a:lumMod val="95000"/>
-                    <a:lumOff val="5000"/>
-                  </a:schemeClr>
+                  <a:schemeClr val="bg1"/>
                 </a:solidFill>
               </a:rPr>
               <a:t>Дальше: сбор метрик, больше интеграций, платные подписки =)</a:t>
@@ -6207,10 +5790,7 @@
             <a:r>
               <a:rPr lang="ru-RU" sz="3500" dirty="0">
                 <a:solidFill>
-                  <a:schemeClr val="tx1">
-                    <a:lumMod val="95000"/>
-                    <a:lumOff val="5000"/>
-                  </a:schemeClr>
+                  <a:schemeClr val="bg1"/>
                 </a:solidFill>
               </a:rPr>
               <a:t>Итоги и следующие шаги</a:t>
@@ -6234,6 +5814,20 @@
 <file path=ppt/slides/slide8.xml><?xml version="1.0" encoding="utf-8"?>
 <p:sld xmlns:a="http://schemas.openxmlformats.org/drawingml/2006/main" xmlns:r="http://schemas.openxmlformats.org/officeDocument/2006/relationships" xmlns:p="http://schemas.openxmlformats.org/presentationml/2006/main">
   <p:cSld>
+    <p:bg>
+      <p:bgPr>
+        <a:blipFill dpi="0" rotWithShape="1">
+          <a:blip r:embed="rId2">
+            <a:lum/>
+          </a:blip>
+          <a:srcRect/>
+          <a:stretch>
+            <a:fillRect t="-13000" b="-13000"/>
+          </a:stretch>
+        </a:blipFill>
+        <a:effectLst/>
+      </p:bgPr>
+    </p:bg>
     <p:spTree>
       <p:nvGrpSpPr>
         <p:cNvPr id="1" name=""/>
@@ -6279,10 +5873,7 @@
             <a:r>
               <a:rPr lang="ru-RU" sz="4400" dirty="0">
                 <a:solidFill>
-                  <a:schemeClr val="tx1">
-                    <a:lumMod val="95000"/>
-                    <a:lumOff val="5000"/>
-                  </a:schemeClr>
+                  <a:schemeClr val="bg1"/>
                 </a:solidFill>
                 <a:latin typeface="Calibri (Body)"/>
               </a:rPr>
@@ -6309,61 +5900,109 @@
         </p:nvSpPr>
         <p:spPr/>
         <p:txBody>
-          <a:bodyPr/>
+          <a:bodyPr>
+            <a:normAutofit/>
+          </a:bodyPr>
           <a:lstStyle/>
           <a:p>
             <a:pPr marL="0" indent="0">
+              <a:lnSpc>
+                <a:spcPct val="120000"/>
+              </a:lnSpc>
               <a:buNone/>
             </a:pPr>
             <a:r>
-              <a:rPr lang="ru-RU" dirty="0"/>
+              <a:rPr lang="ru-RU" dirty="0">
+                <a:solidFill>
+                  <a:schemeClr val="bg1"/>
+                </a:solidFill>
+              </a:rPr>
               <a:t>Во время решения кейса мы опросили множестов своих одногруппником и коллег</a:t>
             </a:r>
             <a:r>
-              <a:rPr lang="en-US" dirty="0"/>
+              <a:rPr lang="en-US" dirty="0">
+                <a:solidFill>
+                  <a:schemeClr val="bg1"/>
+                </a:solidFill>
+              </a:rPr>
+              <a:t>.</a:t>
+            </a:r>
+            <a:br>
+              <a:rPr lang="ru-RU" dirty="0">
+                <a:solidFill>
+                  <a:schemeClr val="bg1"/>
+                </a:solidFill>
+              </a:rPr>
+            </a:br>
+            <a:r>
+              <a:rPr lang="ru-RU" dirty="0">
+                <a:solidFill>
+                  <a:schemeClr val="bg1"/>
+                </a:solidFill>
+              </a:rPr>
+              <a:t>Большинство людей жалуется на спам в разных местах и на отсутсвие нормальных уведомлений</a:t>
+            </a:r>
+            <a:r>
+              <a:rPr lang="en-US" dirty="0">
+                <a:solidFill>
+                  <a:schemeClr val="bg1"/>
+                </a:solidFill>
+              </a:rPr>
               <a:t>. </a:t>
             </a:r>
             <a:r>
-              <a:rPr lang="ru-RU" dirty="0"/>
-              <a:t>Большинство людей жалуется на спам в разных местах</a:t>
-            </a:r>
-            <a:r>
-              <a:rPr lang="en-US" dirty="0"/>
+              <a:rPr lang="ru-RU" dirty="0">
+                <a:solidFill>
+                  <a:schemeClr val="bg1"/>
+                </a:solidFill>
+              </a:rPr>
+              <a:t>По нашей выборке многие опрошенные выразили большую заинтересованность в нашем сервисе</a:t>
+            </a:r>
+            <a:r>
+              <a:rPr lang="en-US" dirty="0">
+                <a:solidFill>
+                  <a:schemeClr val="bg1"/>
+                </a:solidFill>
+              </a:rPr>
+              <a:t>. </a:t>
+            </a:r>
+            <a:r>
+              <a:rPr lang="ru-RU" dirty="0">
+                <a:solidFill>
+                  <a:schemeClr val="bg1"/>
+                </a:solidFill>
+              </a:rPr>
+              <a:t>Другим идея показалось интересной</a:t>
+            </a:r>
+            <a:r>
+              <a:rPr lang="en-US" dirty="0">
+                <a:solidFill>
+                  <a:schemeClr val="bg1"/>
+                </a:solidFill>
+              </a:rPr>
               <a:t>, </a:t>
             </a:r>
             <a:r>
-              <a:rPr lang="ru-RU" dirty="0"/>
-              <a:t>жалуются на отсутсвие нормальных уведомлений</a:t>
-            </a:r>
-            <a:r>
-              <a:rPr lang="en-US" dirty="0"/>
+              <a:rPr lang="ru-RU" dirty="0">
+                <a:solidFill>
+                  <a:schemeClr val="bg1"/>
+                </a:solidFill>
+              </a:rPr>
+              <a:t>но без использования сервиса они не могут дать конечный ответ</a:t>
+            </a:r>
+            <a:r>
+              <a:rPr lang="en-US" dirty="0">
+                <a:solidFill>
+                  <a:schemeClr val="bg1"/>
+                </a:solidFill>
+              </a:rPr>
               <a:t>. </a:t>
             </a:r>
-            <a:r>
-              <a:rPr lang="ru-RU" dirty="0"/>
-              <a:t>По нашей выборки многие опрошенных выразили большую заинтересованность в нашем сервисе</a:t>
-            </a:r>
-            <a:r>
-              <a:rPr lang="en-US" dirty="0"/>
-              <a:t>. </a:t>
-            </a:r>
-            <a:r>
-              <a:rPr lang="ru-RU" dirty="0"/>
-              <a:t>Другим идея пказалось интересной</a:t>
-            </a:r>
-            <a:r>
-              <a:rPr lang="en-US" dirty="0"/>
-              <a:t>, </a:t>
-            </a:r>
-            <a:r>
-              <a:rPr lang="ru-RU" dirty="0"/>
-              <a:t>но без использования сервиса не могут дать конечный отет</a:t>
-            </a:r>
-            <a:r>
-              <a:rPr lang="en-US" dirty="0"/>
-              <a:t>. </a:t>
-            </a:r>
-            <a:endParaRPr lang="ru-RU" dirty="0"/>
+            <a:endParaRPr lang="ru-RU" dirty="0">
+              <a:solidFill>
+                <a:schemeClr val="bg1"/>
+              </a:solidFill>
+            </a:endParaRPr>
           </a:p>
         </p:txBody>
       </p:sp>
